--- a/lectures3/gr/Pythonlearn-09-Dictionaries.pptx
+++ b/lectures3/gr/Pythonlearn-09-Dictionaries.pptx
@@ -576,13 +576,50 @@
               <a:buNone/>
             </a:pPr>
             <a:r>
-              <a:rPr lang="en-US">
+              <a:rPr lang="el-GR" dirty="0">
                 <a:solidFill>
                   <a:schemeClr val="dk2"/>
                 </a:solidFill>
               </a:rPr>
-              <a:t>Note from Chuck.  If you are using these materials, you can remove the UM logo and replace it with your own, but please retain the CC-BY logo on the first page as well as retain the entire last page.</a:t>
-            </a:r>
+              <a:t>Σημείωση από τον </a:t>
+            </a:r>
+            <a:r>
+              <a:rPr lang="en-US" dirty="0">
+                <a:solidFill>
+                  <a:schemeClr val="dk2"/>
+                </a:solidFill>
+              </a:rPr>
+              <a:t> Chuck</a:t>
+            </a:r>
+            <a:r>
+              <a:rPr lang="el-GR" dirty="0">
+                <a:solidFill>
+                  <a:schemeClr val="dk2"/>
+                </a:solidFill>
+              </a:rPr>
+              <a:t>. Εάν χρησιμοποιείτε αυτό το υλικό, μπορείτε να αφαιρέσετε το λογότυπο UM και να το αντικαταστήσετε με το δικό σας, αλλά διατηρήστε το λογότυπο CC-BY στην πρώτη σελίδα καθώς την/τις σελίδα/</a:t>
+            </a:r>
+            <a:r>
+              <a:rPr lang="el-GR" dirty="0" err="1">
+                <a:solidFill>
+                  <a:schemeClr val="dk2"/>
+                </a:solidFill>
+              </a:rPr>
+              <a:t>ες</a:t>
+            </a:r>
+            <a:r>
+              <a:rPr lang="el-GR">
+                <a:solidFill>
+                  <a:schemeClr val="dk2"/>
+                </a:solidFill>
+              </a:rPr>
+              <a:t> αναγνώρισης.</a:t>
+            </a:r>
+            <a:endParaRPr lang="en-US" dirty="0">
+              <a:solidFill>
+                <a:schemeClr val="dk2"/>
+              </a:solidFill>
+            </a:endParaRPr>
           </a:p>
         </p:txBody>
       </p:sp>
